--- a/2021/horse-swagger/Apresentação.pptx
+++ b/2021/horse-swagger/Apresentação.pptx
@@ -8,7 +8,8 @@
     <p:sldId id="256" r:id="rId2"/>
     <p:sldId id="260" r:id="rId3"/>
     <p:sldId id="257" r:id="rId4"/>
-    <p:sldId id="258" r:id="rId5"/>
+    <p:sldId id="261" r:id="rId5"/>
+    <p:sldId id="258" r:id="rId6"/>
   </p:sldIdLst>
   <p:sldSz cx="12192000" cy="6858000"/>
   <p:notesSz cx="6858000" cy="9144000"/>
@@ -262,7 +263,7 @@
           <a:p>
             <a:fld id="{C3C09188-45C4-4407-8DD8-D99948DD52DC}" type="datetimeFigureOut">
               <a:rPr lang="pt-BR" smtClean="0"/>
-              <a:t>26/07/2021</a:t>
+              <a:t>03/08/2021</a:t>
             </a:fld>
             <a:endParaRPr lang="pt-BR"/>
           </a:p>
@@ -460,7 +461,7 @@
           <a:p>
             <a:fld id="{C3C09188-45C4-4407-8DD8-D99948DD52DC}" type="datetimeFigureOut">
               <a:rPr lang="pt-BR" smtClean="0"/>
-              <a:t>26/07/2021</a:t>
+              <a:t>03/08/2021</a:t>
             </a:fld>
             <a:endParaRPr lang="pt-BR"/>
           </a:p>
@@ -668,7 +669,7 @@
           <a:p>
             <a:fld id="{C3C09188-45C4-4407-8DD8-D99948DD52DC}" type="datetimeFigureOut">
               <a:rPr lang="pt-BR" smtClean="0"/>
-              <a:t>26/07/2021</a:t>
+              <a:t>03/08/2021</a:t>
             </a:fld>
             <a:endParaRPr lang="pt-BR"/>
           </a:p>
@@ -866,7 +867,7 @@
           <a:p>
             <a:fld id="{C3C09188-45C4-4407-8DD8-D99948DD52DC}" type="datetimeFigureOut">
               <a:rPr lang="pt-BR" smtClean="0"/>
-              <a:t>26/07/2021</a:t>
+              <a:t>03/08/2021</a:t>
             </a:fld>
             <a:endParaRPr lang="pt-BR"/>
           </a:p>
@@ -1141,7 +1142,7 @@
           <a:p>
             <a:fld id="{C3C09188-45C4-4407-8DD8-D99948DD52DC}" type="datetimeFigureOut">
               <a:rPr lang="pt-BR" smtClean="0"/>
-              <a:t>26/07/2021</a:t>
+              <a:t>03/08/2021</a:t>
             </a:fld>
             <a:endParaRPr lang="pt-BR"/>
           </a:p>
@@ -1406,7 +1407,7 @@
           <a:p>
             <a:fld id="{C3C09188-45C4-4407-8DD8-D99948DD52DC}" type="datetimeFigureOut">
               <a:rPr lang="pt-BR" smtClean="0"/>
-              <a:t>26/07/2021</a:t>
+              <a:t>03/08/2021</a:t>
             </a:fld>
             <a:endParaRPr lang="pt-BR"/>
           </a:p>
@@ -1818,7 +1819,7 @@
           <a:p>
             <a:fld id="{C3C09188-45C4-4407-8DD8-D99948DD52DC}" type="datetimeFigureOut">
               <a:rPr lang="pt-BR" smtClean="0"/>
-              <a:t>26/07/2021</a:t>
+              <a:t>03/08/2021</a:t>
             </a:fld>
             <a:endParaRPr lang="pt-BR"/>
           </a:p>
@@ -1959,7 +1960,7 @@
           <a:p>
             <a:fld id="{C3C09188-45C4-4407-8DD8-D99948DD52DC}" type="datetimeFigureOut">
               <a:rPr lang="pt-BR" smtClean="0"/>
-              <a:t>26/07/2021</a:t>
+              <a:t>03/08/2021</a:t>
             </a:fld>
             <a:endParaRPr lang="pt-BR"/>
           </a:p>
@@ -2072,7 +2073,7 @@
           <a:p>
             <a:fld id="{C3C09188-45C4-4407-8DD8-D99948DD52DC}" type="datetimeFigureOut">
               <a:rPr lang="pt-BR" smtClean="0"/>
-              <a:t>26/07/2021</a:t>
+              <a:t>03/08/2021</a:t>
             </a:fld>
             <a:endParaRPr lang="pt-BR"/>
           </a:p>
@@ -2383,7 +2384,7 @@
           <a:p>
             <a:fld id="{C3C09188-45C4-4407-8DD8-D99948DD52DC}" type="datetimeFigureOut">
               <a:rPr lang="pt-BR" smtClean="0"/>
-              <a:t>26/07/2021</a:t>
+              <a:t>03/08/2021</a:t>
             </a:fld>
             <a:endParaRPr lang="pt-BR"/>
           </a:p>
@@ -2671,7 +2672,7 @@
           <a:p>
             <a:fld id="{C3C09188-45C4-4407-8DD8-D99948DD52DC}" type="datetimeFigureOut">
               <a:rPr lang="pt-BR" smtClean="0"/>
-              <a:t>26/07/2021</a:t>
+              <a:t>03/08/2021</a:t>
             </a:fld>
             <a:endParaRPr lang="pt-BR"/>
           </a:p>
@@ -2912,7 +2913,7 @@
           <a:p>
             <a:fld id="{C3C09188-45C4-4407-8DD8-D99948DD52DC}" type="datetimeFigureOut">
               <a:rPr lang="pt-BR" smtClean="0"/>
-              <a:t>26/07/2021</a:t>
+              <a:t>03/08/2021</a:t>
             </a:fld>
             <a:endParaRPr lang="pt-BR"/>
           </a:p>
@@ -4649,7 +4650,7 @@
                 <a:latin typeface="Arial" panose="020B0604020202020204" pitchFamily="34" charset="0"/>
                 <a:cs typeface="Arial" panose="020B0604020202020204" pitchFamily="34" charset="0"/>
               </a:rPr>
-              <a:t>Título</a:t>
+              <a:t>Conteúdos de uma requisição</a:t>
             </a:r>
           </a:p>
         </p:txBody>
@@ -4682,9 +4683,6 @@
           </a:bodyPr>
           <a:lstStyle/>
           <a:p>
-            <a:pPr marL="0" indent="0">
-              <a:buNone/>
-            </a:pPr>
             <a:r>
               <a:rPr lang="pt-BR" sz="2000" dirty="0">
                 <a:solidFill>
@@ -4693,11 +4691,154 @@
                 <a:latin typeface="Arial" panose="020B0604020202020204" pitchFamily="34" charset="0"/>
                 <a:cs typeface="Arial" panose="020B0604020202020204" pitchFamily="34" charset="0"/>
               </a:rPr>
-              <a:t>Alguma coisa...</a:t>
-            </a:r>
-          </a:p>
-        </p:txBody>
-      </p:sp>
+              <a:t>Verbo HTTP</a:t>
+            </a:r>
+          </a:p>
+          <a:p>
+            <a:r>
+              <a:rPr lang="pt-BR" sz="2000" dirty="0">
+                <a:solidFill>
+                  <a:srgbClr val="161B3D"/>
+                </a:solidFill>
+                <a:latin typeface="Arial" panose="020B0604020202020204" pitchFamily="34" charset="0"/>
+                <a:cs typeface="Arial" panose="020B0604020202020204" pitchFamily="34" charset="0"/>
+              </a:rPr>
+              <a:t>URL</a:t>
+            </a:r>
+          </a:p>
+          <a:p>
+            <a:r>
+              <a:rPr lang="pt-BR" sz="2000" dirty="0">
+                <a:solidFill>
+                  <a:srgbClr val="161B3D"/>
+                </a:solidFill>
+                <a:latin typeface="Arial" panose="020B0604020202020204" pitchFamily="34" charset="0"/>
+                <a:cs typeface="Arial" panose="020B0604020202020204" pitchFamily="34" charset="0"/>
+              </a:rPr>
+              <a:t>Parâmetros</a:t>
+            </a:r>
+          </a:p>
+          <a:p>
+            <a:r>
+              <a:rPr lang="pt-BR" sz="2000" dirty="0" err="1">
+                <a:solidFill>
+                  <a:srgbClr val="161B3D"/>
+                </a:solidFill>
+                <a:latin typeface="Arial" panose="020B0604020202020204" pitchFamily="34" charset="0"/>
+                <a:cs typeface="Arial" panose="020B0604020202020204" pitchFamily="34" charset="0"/>
+              </a:rPr>
+              <a:t>Headers</a:t>
+            </a:r>
+            <a:endParaRPr lang="pt-BR" sz="2000" dirty="0">
+              <a:solidFill>
+                <a:srgbClr val="161B3D"/>
+              </a:solidFill>
+              <a:latin typeface="Arial" panose="020B0604020202020204" pitchFamily="34" charset="0"/>
+              <a:cs typeface="Arial" panose="020B0604020202020204" pitchFamily="34" charset="0"/>
+            </a:endParaRPr>
+          </a:p>
+          <a:p>
+            <a:r>
+              <a:rPr lang="pt-BR" sz="2000" dirty="0">
+                <a:solidFill>
+                  <a:srgbClr val="161B3D"/>
+                </a:solidFill>
+                <a:latin typeface="Arial" panose="020B0604020202020204" pitchFamily="34" charset="0"/>
+                <a:cs typeface="Arial" panose="020B0604020202020204" pitchFamily="34" charset="0"/>
+              </a:rPr>
+              <a:t>Body</a:t>
+            </a:r>
+          </a:p>
+          <a:p>
+            <a:r>
+              <a:rPr lang="pt-BR" sz="2000" dirty="0">
+                <a:solidFill>
+                  <a:srgbClr val="161B3D"/>
+                </a:solidFill>
+                <a:latin typeface="Arial" panose="020B0604020202020204" pitchFamily="34" charset="0"/>
+                <a:cs typeface="Arial" panose="020B0604020202020204" pitchFamily="34" charset="0"/>
+              </a:rPr>
+              <a:t>Response</a:t>
+            </a:r>
+          </a:p>
+          <a:p>
+            <a:r>
+              <a:rPr lang="pt-BR" sz="2000" dirty="0">
+                <a:solidFill>
+                  <a:srgbClr val="161B3D"/>
+                </a:solidFill>
+                <a:latin typeface="Arial" panose="020B0604020202020204" pitchFamily="34" charset="0"/>
+                <a:cs typeface="Arial" panose="020B0604020202020204" pitchFamily="34" charset="0"/>
+              </a:rPr>
+              <a:t>Status </a:t>
+            </a:r>
+            <a:r>
+              <a:rPr lang="pt-BR" sz="2000" dirty="0" err="1">
+                <a:solidFill>
+                  <a:srgbClr val="161B3D"/>
+                </a:solidFill>
+                <a:latin typeface="Arial" panose="020B0604020202020204" pitchFamily="34" charset="0"/>
+                <a:cs typeface="Arial" panose="020B0604020202020204" pitchFamily="34" charset="0"/>
+              </a:rPr>
+              <a:t>code</a:t>
+            </a:r>
+            <a:endParaRPr lang="pt-BR" sz="2000" dirty="0">
+              <a:solidFill>
+                <a:srgbClr val="161B3D"/>
+              </a:solidFill>
+              <a:latin typeface="Arial" panose="020B0604020202020204" pitchFamily="34" charset="0"/>
+              <a:cs typeface="Arial" panose="020B0604020202020204" pitchFamily="34" charset="0"/>
+            </a:endParaRPr>
+          </a:p>
+        </p:txBody>
+      </p:sp>
+      <p:pic>
+        <p:nvPicPr>
+          <p:cNvPr id="1026" name="Picture 2">
+            <a:extLst>
+              <a:ext uri="{FF2B5EF4-FFF2-40B4-BE49-F238E27FC236}">
+                <a16:creationId xmlns:a16="http://schemas.microsoft.com/office/drawing/2014/main" id="{C820270B-9169-4EB8-88D0-F97703B67648}"/>
+              </a:ext>
+            </a:extLst>
+          </p:cNvPr>
+          <p:cNvPicPr>
+            <a:picLocks noChangeAspect="1" noChangeArrowheads="1"/>
+          </p:cNvPicPr>
+          <p:nvPr/>
+        </p:nvPicPr>
+        <p:blipFill>
+          <a:blip r:embed="rId2">
+            <a:extLst>
+              <a:ext uri="{28A0092B-C50C-407E-A947-70E740481C1C}">
+                <a14:useLocalDpi xmlns:a14="http://schemas.microsoft.com/office/drawing/2010/main" val="0"/>
+              </a:ext>
+            </a:extLst>
+          </a:blip>
+          <a:srcRect/>
+          <a:stretch>
+            <a:fillRect/>
+          </a:stretch>
+        </p:blipFill>
+        <p:spPr bwMode="auto">
+          <a:xfrm>
+            <a:off x="4881465" y="3582226"/>
+            <a:ext cx="6472335" cy="2729674"/>
+          </a:xfrm>
+          <a:prstGeom prst="rect">
+            <a:avLst/>
+          </a:prstGeom>
+          <a:noFill/>
+          <a:extLst>
+            <a:ext uri="{909E8E84-426E-40DD-AFC4-6F175D3DCCD1}">
+              <a14:hiddenFill xmlns:a14="http://schemas.microsoft.com/office/drawing/2010/main">
+                <a:solidFill>
+                  <a:srgbClr val="FFFFFF"/>
+                </a:solidFill>
+              </a14:hiddenFill>
+            </a:ext>
+          </a:extLst>
+        </p:spPr>
+      </p:pic>
     </p:spTree>
     <p:extLst>
       <p:ext uri="{BB962C8B-B14F-4D97-AF65-F5344CB8AC3E}">
@@ -4712,6 +4853,207 @@
 </file>
 
 <file path=ppt/slides/slide4.xml><?xml version="1.0" encoding="utf-8"?>
+<p:sld xmlns:a="http://schemas.openxmlformats.org/drawingml/2006/main" xmlns:r="http://schemas.openxmlformats.org/officeDocument/2006/relationships" xmlns:p="http://schemas.openxmlformats.org/presentationml/2006/main">
+  <p:cSld>
+    <p:bg>
+      <p:bgPr>
+        <a:solidFill>
+          <a:schemeClr val="bg1"/>
+        </a:solidFill>
+        <a:effectLst/>
+      </p:bgPr>
+    </p:bg>
+    <p:spTree>
+      <p:nvGrpSpPr>
+        <p:cNvPr id="1" name=""/>
+        <p:cNvGrpSpPr/>
+        <p:nvPr/>
+      </p:nvGrpSpPr>
+      <p:grpSpPr>
+        <a:xfrm>
+          <a:off x="0" y="0"/>
+          <a:ext cx="0" cy="0"/>
+          <a:chOff x="0" y="0"/>
+          <a:chExt cx="0" cy="0"/>
+        </a:xfrm>
+      </p:grpSpPr>
+      <p:sp>
+        <p:nvSpPr>
+          <p:cNvPr id="14" name="Rectangle 13">
+            <a:extLst>
+              <a:ext uri="{FF2B5EF4-FFF2-40B4-BE49-F238E27FC236}">
+                <a16:creationId xmlns:a16="http://schemas.microsoft.com/office/drawing/2014/main" id="{01D0AF59-99C3-4251-AB9A-C966C6AD4400}"/>
+              </a:ext>
+              <a:ext uri="{C183D7F6-B498-43B3-948B-1728B52AA6E4}">
+                <adec:decorative xmlns:adec="http://schemas.microsoft.com/office/drawing/2017/decorative" val="1"/>
+              </a:ext>
+            </a:extLst>
+          </p:cNvPr>
+          <p:cNvSpPr>
+            <a:spLocks noGrp="1" noRot="1" noChangeAspect="1" noMove="1" noResize="1" noEditPoints="1" noAdjustHandles="1" noChangeArrowheads="1" noChangeShapeType="1" noTextEdit="1"/>
+          </p:cNvSpPr>
+          <p:nvPr>
+            <p:extLst>
+              <p:ext uri="{386F3935-93C4-4BCD-93E2-E3B085C9AB24}">
+                <p16:designElem xmlns:p16="http://schemas.microsoft.com/office/powerpoint/2015/main" val="1"/>
+              </p:ext>
+            </p:extLst>
+          </p:nvPr>
+        </p:nvSpPr>
+        <p:spPr>
+          <a:xfrm>
+            <a:off x="0" y="0"/>
+            <a:ext cx="12192000" cy="6858000"/>
+          </a:xfrm>
+          <a:prstGeom prst="rect">
+            <a:avLst/>
+          </a:prstGeom>
+          <a:solidFill>
+            <a:schemeClr val="bg2"/>
+          </a:solidFill>
+          <a:ln>
+            <a:noFill/>
+          </a:ln>
+        </p:spPr>
+        <p:style>
+          <a:lnRef idx="2">
+            <a:schemeClr val="accent1">
+              <a:shade val="50000"/>
+            </a:schemeClr>
+          </a:lnRef>
+          <a:fillRef idx="1">
+            <a:schemeClr val="accent1"/>
+          </a:fillRef>
+          <a:effectRef idx="0">
+            <a:schemeClr val="accent1"/>
+          </a:effectRef>
+          <a:fontRef idx="minor">
+            <a:schemeClr val="lt1"/>
+          </a:fontRef>
+        </p:style>
+        <p:txBody>
+          <a:bodyPr rtlCol="0" anchor="ctr"/>
+          <a:lstStyle/>
+          <a:p>
+            <a:pPr algn="ctr"/>
+            <a:endParaRPr lang="en-US"/>
+          </a:p>
+        </p:txBody>
+      </p:sp>
+      <p:sp>
+        <p:nvSpPr>
+          <p:cNvPr id="16" name="Rectangle 15">
+            <a:extLst>
+              <a:ext uri="{FF2B5EF4-FFF2-40B4-BE49-F238E27FC236}">
+                <a16:creationId xmlns:a16="http://schemas.microsoft.com/office/drawing/2014/main" id="{1855405F-37A2-4869-9154-F8BE3BECE6C3}"/>
+              </a:ext>
+              <a:ext uri="{C183D7F6-B498-43B3-948B-1728B52AA6E4}">
+                <adec:decorative xmlns:adec="http://schemas.microsoft.com/office/drawing/2017/decorative" val="1"/>
+              </a:ext>
+            </a:extLst>
+          </p:cNvPr>
+          <p:cNvSpPr>
+            <a:spLocks noGrp="1" noRot="1" noChangeAspect="1" noMove="1" noResize="1" noEditPoints="1" noAdjustHandles="1" noChangeArrowheads="1" noChangeShapeType="1" noTextEdit="1"/>
+          </p:cNvSpPr>
+          <p:nvPr>
+            <p:extLst>
+              <p:ext uri="{386F3935-93C4-4BCD-93E2-E3B085C9AB24}">
+                <p16:designElem xmlns:p16="http://schemas.microsoft.com/office/powerpoint/2015/main" val="1"/>
+              </p:ext>
+            </p:extLst>
+          </p:nvPr>
+        </p:nvSpPr>
+        <p:spPr>
+          <a:xfrm>
+            <a:off x="477012" y="480060"/>
+            <a:ext cx="11237976" cy="5897880"/>
+          </a:xfrm>
+          <a:prstGeom prst="rect">
+            <a:avLst/>
+          </a:prstGeom>
+          <a:solidFill>
+            <a:srgbClr val="FFFFFF"/>
+          </a:solidFill>
+          <a:ln w="9525">
+            <a:noFill/>
+          </a:ln>
+          <a:effectLst>
+            <a:outerShdw blurRad="63500" dist="17780" dir="5400000" algn="t" rotWithShape="0">
+              <a:prstClr val="black">
+                <a:alpha val="43000"/>
+              </a:prstClr>
+            </a:outerShdw>
+          </a:effectLst>
+        </p:spPr>
+        <p:style>
+          <a:lnRef idx="2">
+            <a:schemeClr val="accent1">
+              <a:shade val="50000"/>
+            </a:schemeClr>
+          </a:lnRef>
+          <a:fillRef idx="1">
+            <a:schemeClr val="accent1"/>
+          </a:fillRef>
+          <a:effectRef idx="0">
+            <a:schemeClr val="accent1"/>
+          </a:effectRef>
+          <a:fontRef idx="minor">
+            <a:schemeClr val="lt1"/>
+          </a:fontRef>
+        </p:style>
+        <p:txBody>
+          <a:bodyPr rtlCol="0" anchor="ctr"/>
+          <a:lstStyle/>
+          <a:p>
+            <a:pPr algn="ctr"/>
+            <a:endParaRPr lang="en-US"/>
+          </a:p>
+        </p:txBody>
+      </p:sp>
+      <p:pic>
+        <p:nvPicPr>
+          <p:cNvPr id="9" name="Imagem 8">
+            <a:extLst>
+              <a:ext uri="{FF2B5EF4-FFF2-40B4-BE49-F238E27FC236}">
+                <a16:creationId xmlns:a16="http://schemas.microsoft.com/office/drawing/2014/main" id="{D8FC2325-240E-4AD1-95E8-8E0224A01916}"/>
+              </a:ext>
+            </a:extLst>
+          </p:cNvPr>
+          <p:cNvPicPr>
+            <a:picLocks noChangeAspect="1"/>
+          </p:cNvPicPr>
+          <p:nvPr/>
+        </p:nvPicPr>
+        <p:blipFill>
+          <a:blip r:embed="rId2"/>
+          <a:stretch>
+            <a:fillRect/>
+          </a:stretch>
+        </p:blipFill>
+        <p:spPr>
+          <a:xfrm>
+            <a:off x="687198" y="643467"/>
+            <a:ext cx="10817603" cy="5571066"/>
+          </a:xfrm>
+          <a:prstGeom prst="rect">
+            <a:avLst/>
+          </a:prstGeom>
+        </p:spPr>
+      </p:pic>
+    </p:spTree>
+    <p:extLst>
+      <p:ext uri="{BB962C8B-B14F-4D97-AF65-F5344CB8AC3E}">
+        <p14:creationId xmlns:p14="http://schemas.microsoft.com/office/powerpoint/2010/main" val="2552707352"/>
+      </p:ext>
+    </p:extLst>
+  </p:cSld>
+  <p:clrMapOvr>
+    <a:masterClrMapping/>
+  </p:clrMapOvr>
+</p:sld>
+</file>
+
+<file path=ppt/slides/slide5.xml><?xml version="1.0" encoding="utf-8"?>
 <p:sld xmlns:a="http://schemas.openxmlformats.org/drawingml/2006/main" xmlns:r="http://schemas.openxmlformats.org/officeDocument/2006/relationships" xmlns:p="http://schemas.openxmlformats.org/presentationml/2006/main">
   <p:cSld>
     <p:spTree>
